--- a/labs/lab2/presentation/presentation.pptx
+++ b/labs/lab2/presentation/presentation.pptx
@@ -10,6 +10,11 @@
     <p:sldId id="258" r:id="rId4"/>
     <p:sldId id="259" r:id="rId5"/>
     <p:sldId id="260" r:id="rId6"/>
+    <p:sldId id="261" r:id="rId7"/>
+    <p:sldId id="262" r:id="rId8"/>
+    <p:sldId id="263" r:id="rId9"/>
+    <p:sldId id="264" r:id="rId10"/>
+    <p:sldId id="265" r:id="rId11"/>
   </p:sldIdLst>
   <p:sldSz cx="9144000" cy="5143500" type="screen16x9"/>
   <p:notesSz cx="6858000" cy="9144000"/>
@@ -3119,7 +3124,7 @@
             </a:pPr>
             <a:r>
               <a:rPr/>
-              <a:t>Презентация по лабораторной работе №2</a:t>
+              <a:t>Презентация к лабораторной работе 2</a:t>
             </a:r>
           </a:p>
         </p:txBody>
@@ -3149,13 +3154,108 @@
             </a:pPr>
             <a:r>
               <a:rPr/>
-              <a:t>НКНбд-01-21</a:t>
+              <a:t>Простейший шаблон</a:t>
             </a:r>
             <a:br/>
             <a:br/>
             <a:r>
               <a:rPr/>
-              <a:t>Акондзо Жордани лади Гаэл</a:t>
+              <a:t>Акондзо Жордани Лади Гаэл.</a:t>
+            </a:r>
+          </a:p>
+        </p:txBody>
+      </p:sp>
+      <p:sp>
+        <p:nvSpPr>
+          <p:cNvPr id="4" name="Date Placeholder 3"/>
+          <p:cNvSpPr>
+            <a:spLocks noGrp="1"/>
+          </p:cNvSpPr>
+          <p:nvPr>
+            <p:ph idx="10" sz="half" type="dt"/>
+          </p:nvPr>
+        </p:nvSpPr>
+        <p:spPr/>
+        <p:txBody>
+          <a:bodyPr/>
+          <a:lstStyle/>
+          <a:p>
+            <a:pPr lvl="0" indent="0" marL="0">
+              <a:buNone/>
+            </a:pPr>
+            <a:r>
+              <a:rPr/>
+              <a:t>15 февраля 2024</a:t>
+            </a:r>
+          </a:p>
+        </p:txBody>
+      </p:sp>
+    </p:spTree>
+  </p:cSld>
+</p:sld>
+</file>
+
+<file path=ppt/slides/slide10.xml><?xml version="1.0" encoding="utf-8"?>
+<p:sld xmlns:a="http://schemas.openxmlformats.org/drawingml/2006/main" xmlns:r="http://schemas.openxmlformats.org/officeDocument/2006/relationships" xmlns:p="http://schemas.openxmlformats.org/presentationml/2006/main">
+  <p:cSld>
+    <p:spTree>
+      <p:nvGrpSpPr>
+        <p:cNvPr id="1" name=""/>
+        <p:cNvGrpSpPr/>
+        <p:nvPr/>
+      </p:nvGrpSpPr>
+      <p:grpSpPr>
+        <a:xfrm>
+          <a:off x="0" y="0"/>
+          <a:ext cx="0" cy="0"/>
+          <a:chOff x="0" y="0"/>
+          <a:chExt cx="0" cy="0"/>
+        </a:xfrm>
+      </p:grpSpPr>
+      <p:sp>
+        <p:nvSpPr>
+          <p:cNvPr id="2" name="Title 1"/>
+          <p:cNvSpPr>
+            <a:spLocks noGrp="1"/>
+          </p:cNvSpPr>
+          <p:nvPr>
+            <p:ph type="title"/>
+          </p:nvPr>
+        </p:nvSpPr>
+        <p:spPr/>
+        <p:txBody>
+          <a:bodyPr/>
+          <a:lstStyle/>
+          <a:p>
+            <a:pPr lvl="0" indent="0" marL="0">
+              <a:buNone/>
+            </a:pPr>
+            <a:r>
+              <a:rPr/>
+              <a:t>Итоговый слайд</a:t>
+            </a:r>
+          </a:p>
+        </p:txBody>
+      </p:sp>
+      <p:sp>
+        <p:nvSpPr>
+          <p:cNvPr id="3" name="Content Placeholder 2"/>
+          <p:cNvSpPr>
+            <a:spLocks noGrp="1"/>
+          </p:cNvSpPr>
+          <p:nvPr>
+            <p:ph idx="1"/>
+          </p:nvPr>
+        </p:nvSpPr>
+        <p:spPr/>
+        <p:txBody>
+          <a:bodyPr/>
+          <a:lstStyle/>
+          <a:p>
+            <a:pPr lvl="0"/>
+            <a:r>
+              <a:rPr/>
+              <a:t>СПАСИБО ЗА ВИНИМАНИЕ</a:t>
             </a:r>
           </a:p>
         </p:txBody>
@@ -3207,7 +3307,7 @@
             </a:pPr>
             <a:r>
               <a:rPr/>
-              <a:t>Введение</a:t>
+              <a:t>Информация</a:t>
             </a:r>
           </a:p>
         </p:txBody>
@@ -3254,404 +3354,80 @@
             </a:pPr>
             <a:r>
               <a:rPr/>
-              <a:t>Ход Работы ч.1</a:t>
-            </a:r>
-          </a:p>
-        </p:txBody>
-      </p:sp>
-      <mc:AlternateContent xmlns:mc="http://schemas.openxmlformats.org/markup-compatibility/2006">
-        <mc:Choice xmlns:a14="http://schemas.microsoft.com/office/drawing/2010/main" Requires="a14">
-          <p:sp>
-            <p:nvSpPr>
-              <p:cNvPr id="3" name="Content Placeholder 2"/>
-              <p:cNvSpPr>
-                <a:spLocks noGrp="1"/>
-              </p:cNvSpPr>
-              <p:nvPr>
-                <p:ph idx="1"/>
-              </p:nvPr>
-            </p:nvSpPr>
-            <p:spPr/>
-            <p:txBody>
-              <a:bodyPr/>
-              <a:lstStyle/>
-              <a:p>
-                <a:pPr lvl="0" indent="-342900" marL="342900">
-                  <a:buAutoNum type="arabicPeriod"/>
-                </a:pPr>
-                <a:r>
-                  <a:rPr/>
-                  <a:t>Вычислили расстояние между лодкой (браконьеров) и катером (охрана), используя формулу </a:t>
-                </a:r>
-                <a14:m>
-                  <m:oMath xmlns:m="http://schemas.openxmlformats.org/officeDocument/2006/math">
-                    <m:f>
-                      <m:fPr>
-                        <m:type m:val="bar"/>
-                      </m:fPr>
-                      <m:num>
-                        <m:r>
-                          <m:t>x</m:t>
-                        </m:r>
-                      </m:num>
-                      <m:den>
-                        <m:r>
-                          <m:t>ν</m:t>
-                        </m:r>
-                      </m:den>
-                    </m:f>
-                    <m:r>
-                      <m:rPr>
-                        <m:sty m:val="p"/>
-                      </m:rPr>
-                      <m:t>=</m:t>
-                    </m:r>
-                    <m:f>
-                      <m:fPr>
-                        <m:type m:val="bar"/>
-                      </m:fPr>
-                      <m:num>
-                        <m:r>
-                          <m:t>s</m:t>
-                        </m:r>
-                        <m:r>
-                          <m:rPr>
-                            <m:sty m:val="p"/>
-                          </m:rPr>
-                          <m:t>±</m:t>
-                        </m:r>
-                        <m:r>
-                          <m:t>x</m:t>
-                        </m:r>
-                      </m:num>
-                      <m:den>
-                        <m:r>
-                          <m:t>k</m:t>
-                        </m:r>
-                        <m:r>
-                          <m:rPr>
-                            <m:sty m:val="p"/>
-                          </m:rPr>
-                          <m:t>*</m:t>
-                        </m:r>
-                        <m:r>
-                          <m:t>ν</m:t>
-                        </m:r>
-                      </m:den>
-                    </m:f>
-                  </m:oMath>
-                </a14:m>
-                <a:r>
-                  <a:rPr/>
-                  <a:t>, где s = начальное расстояние между лодкой и катером равный 14.4 км и k = коэффициент во сколько раз скорость катера выше чем скорость лодки. В итоге получили значения </a:t>
-                </a:r>
-                <a14:m>
-                  <m:oMath xmlns:m="http://schemas.openxmlformats.org/officeDocument/2006/math">
-                    <m:sSub>
-                      <m:e>
-                        <m:r>
-                          <m:t>x</m:t>
-                        </m:r>
-                      </m:e>
-                      <m:sub>
-                        <m:r>
-                          <m:t>1</m:t>
-                        </m:r>
-                      </m:sub>
-                    </m:sSub>
-                    <m:r>
-                      <m:rPr>
-                        <m:sty m:val="p"/>
-                      </m:rPr>
-                      <m:t>=</m:t>
-                    </m:r>
-                    <m:f>
-                      <m:fPr>
-                        <m:type m:val="bar"/>
-                      </m:fPr>
-                      <m:num>
-                        <m:r>
-                          <m:t>14.4</m:t>
-                        </m:r>
-                      </m:num>
-                      <m:den>
-                        <m:r>
-                          <m:t>5.7</m:t>
-                        </m:r>
-                      </m:den>
-                    </m:f>
-                  </m:oMath>
-                </a14:m>
-                <a:r>
-                  <a:rPr/>
-                  <a:t> и </a:t>
-                </a:r>
-                <a14:m>
-                  <m:oMath xmlns:m="http://schemas.openxmlformats.org/officeDocument/2006/math">
-                    <m:sSub>
-                      <m:e>
-                        <m:r>
-                          <m:t>x</m:t>
-                        </m:r>
-                      </m:e>
-                      <m:sub>
-                        <m:r>
-                          <m:t>2</m:t>
-                        </m:r>
-                      </m:sub>
-                    </m:sSub>
-                    <m:r>
-                      <m:rPr>
-                        <m:sty m:val="p"/>
-                      </m:rPr>
-                      <m:t>=</m:t>
-                    </m:r>
-                    <m:f>
-                      <m:fPr>
-                        <m:type m:val="bar"/>
-                      </m:fPr>
-                      <m:num>
-                        <m:r>
-                          <m:t>14.4</m:t>
-                        </m:r>
-                      </m:num>
-                      <m:den>
-                        <m:r>
-                          <m:t>3.7</m:t>
-                        </m:r>
-                      </m:den>
-                    </m:f>
-                  </m:oMath>
-                </a14:m>
-              </a:p>
-              <a:p>
-                <a:pPr lvl="0" indent="-342900" marL="342900">
-                  <a:buAutoNum type="arabicPeriod"/>
-                </a:pPr>
-                <a:r>
-                  <a:rPr/>
-                  <a:t>Полагая, что катер береговой охраны окажется на одном расстоянии от полюса, что и лодка, он должен сменить прямолинейную траекторию и начать двигаться вокруг полюса удаляясь от него со скоростью лодки </a:t>
-                </a:r>
-                <a14:m>
-                  <m:oMath xmlns:m="http://schemas.openxmlformats.org/officeDocument/2006/math">
-                    <m:r>
-                      <m:t>ν</m:t>
-                    </m:r>
-                  </m:oMath>
-                </a14:m>
-                <a:r>
-                  <a:rPr/>
-                  <a:t>. Для этого скорость катера раскладываем на две составляющие: </a:t>
-                </a:r>
-                <a14:m>
-                  <m:oMath xmlns:m="http://schemas.openxmlformats.org/officeDocument/2006/math">
-                    <m:sSub>
-                      <m:e>
-                        <m:r>
-                          <m:t>ν</m:t>
-                        </m:r>
-                      </m:e>
-                      <m:sub>
-                        <m:r>
-                          <m:t>r</m:t>
-                        </m:r>
-                      </m:sub>
-                    </m:sSub>
-                  </m:oMath>
-                </a14:m>
-                <a:r>
-                  <a:rPr/>
-                  <a:t> - радиальная скорость и </a:t>
-                </a:r>
-                <a14:m>
-                  <m:oMath xmlns:m="http://schemas.openxmlformats.org/officeDocument/2006/math">
-                    <m:sSub>
-                      <m:e>
-                        <m:r>
-                          <m:t>ν</m:t>
-                        </m:r>
-                      </m:e>
-                      <m:sub>
-                        <m:r>
-                          <m:t>t</m:t>
-                        </m:r>
-                      </m:sub>
-                    </m:sSub>
-                  </m:oMath>
-                </a14:m>
-                <a:r>
-                  <a:rPr/>
-                  <a:t> - тангенциальная скорость. </a:t>
-                </a:r>
-                <a14:m>
-                  <m:oMath xmlns:m="http://schemas.openxmlformats.org/officeDocument/2006/math">
-                    <m:sSub>
-                      <m:e>
-                        <m:r>
-                          <m:t>ν</m:t>
-                        </m:r>
-                      </m:e>
-                      <m:sub>
-                        <m:r>
-                          <m:t>r</m:t>
-                        </m:r>
-                      </m:sub>
-                    </m:sSub>
-                    <m:r>
-                      <m:rPr>
-                        <m:sty m:val="p"/>
-                      </m:rPr>
-                      <m:t>=</m:t>
-                    </m:r>
-                    <m:f>
-                      <m:fPr>
-                        <m:type m:val="bar"/>
-                      </m:fPr>
-                      <m:num>
-                        <m:r>
-                          <m:t>d</m:t>
-                        </m:r>
-                        <m:r>
-                          <m:t>r</m:t>
-                        </m:r>
-                      </m:num>
-                      <m:den>
-                        <m:r>
-                          <m:t>d</m:t>
-                        </m:r>
-                        <m:r>
-                          <m:t>t</m:t>
-                        </m:r>
-                      </m:den>
-                    </m:f>
-                  </m:oMath>
-                </a14:m>
-                <a:r>
-                  <a:rPr/>
-                  <a:t>. Нам нужно, чтобы эта скорость была равна скорости лодки, поэтому полагаем </a:t>
-                </a:r>
-                <a14:m>
-                  <m:oMath xmlns:m="http://schemas.openxmlformats.org/officeDocument/2006/math">
-                    <m:f>
-                      <m:fPr>
-                        <m:type m:val="bar"/>
-                      </m:fPr>
-                      <m:num>
-                        <m:r>
-                          <m:t>d</m:t>
-                        </m:r>
-                        <m:r>
-                          <m:t>r</m:t>
-                        </m:r>
-                      </m:num>
-                      <m:den>
-                        <m:r>
-                          <m:t>d</m:t>
-                        </m:r>
-                        <m:r>
-                          <m:t>t</m:t>
-                        </m:r>
-                      </m:den>
-                    </m:f>
-                    <m:r>
-                      <m:rPr>
-                        <m:sty m:val="p"/>
-                      </m:rPr>
-                      <m:t>=</m:t>
-                    </m:r>
-                    <m:r>
-                      <m:t>ν</m:t>
-                    </m:r>
-                  </m:oMath>
-                </a14:m>
-                <a:r>
-                  <a:rPr/>
-                  <a:t>. Тангенциальная скорость – это линейная скорость вращения катера относительно полюса. Она равна произведению угловой скорости </a:t>
-                </a:r>
-                <a14:m>
-                  <m:oMath xmlns:m="http://schemas.openxmlformats.org/officeDocument/2006/math">
-                    <m:f>
-                      <m:fPr>
-                        <m:type m:val="bar"/>
-                      </m:fPr>
-                      <m:num>
-                        <m:r>
-                          <m:t>d</m:t>
-                        </m:r>
-                        <m:r>
-                          <m:t>θ</m:t>
-                        </m:r>
-                      </m:num>
-                      <m:den>
-                        <m:r>
-                          <m:t>d</m:t>
-                        </m:r>
-                        <m:r>
-                          <m:t>t</m:t>
-                        </m:r>
-                      </m:den>
-                    </m:f>
-                  </m:oMath>
-                </a14:m>
-                <a:r>
-                  <a:rPr/>
-                  <a:t> на радиус, то есть </a:t>
-                </a:r>
-                <a14:m>
-                  <m:oMath xmlns:m="http://schemas.openxmlformats.org/officeDocument/2006/math">
-                    <m:sSub>
-                      <m:e>
-                        <m:r>
-                          <m:t>ν</m:t>
-                        </m:r>
-                      </m:e>
-                      <m:sub>
-                        <m:r>
-                          <m:t>t</m:t>
-                        </m:r>
-                      </m:sub>
-                    </m:sSub>
-                    <m:r>
-                      <m:rPr>
-                        <m:sty m:val="p"/>
-                      </m:rPr>
-                      <m:t>=</m:t>
-                    </m:r>
-                    <m:r>
-                      <m:t>r</m:t>
-                    </m:r>
-                    <m:f>
-                      <m:fPr>
-                        <m:type m:val="bar"/>
-                      </m:fPr>
-                      <m:num>
-                        <m:r>
-                          <m:t>d</m:t>
-                        </m:r>
-                        <m:r>
-                          <m:t>θ</m:t>
-                        </m:r>
-                      </m:num>
-                      <m:den>
-                        <m:r>
-                          <m:t>d</m:t>
-                        </m:r>
-                        <m:r>
-                          <m:t>t</m:t>
-                        </m:r>
-                      </m:den>
-                    </m:f>
-                  </m:oMath>
-                </a14:m>
-                <a:r>
-                  <a:rPr/>
-                  <a:t>.</a:t>
-                </a:r>
-              </a:p>
-            </p:txBody>
-          </p:sp>
-        </mc:Choice>
-      </mc:AlternateContent>
+              <a:t>Докладчик</a:t>
+            </a:r>
+          </a:p>
+        </p:txBody>
+      </p:sp>
+      <p:sp>
+        <p:nvSpPr>
+          <p:cNvPr id="3" name="Content Placeholder 2"/>
+          <p:cNvSpPr>
+            <a:spLocks noGrp="1"/>
+          </p:cNvSpPr>
+          <p:nvPr>
+            <p:ph idx="1"/>
+          </p:nvPr>
+        </p:nvSpPr>
+        <p:spPr/>
+        <p:txBody>
+          <a:bodyPr/>
+          <a:lstStyle/>
+          <a:p>
+            <a:pPr lvl="0" indent="0" marL="0">
+              <a:buNone/>
+            </a:pPr>
+            <a:r>
+              <a:rPr/>
+              <a:t>:::::::::::::: {.columns align=center} ::: {.column width=“70%”}</a:t>
+            </a:r>
+          </a:p>
+          <a:p>
+            <a:pPr lvl="0"/>
+            <a:r>
+              <a:rPr/>
+              <a:t>Акондзо Жордани Лади Гаэл</a:t>
+            </a:r>
+          </a:p>
+          <a:p>
+            <a:pPr lvl="0"/>
+            <a:r>
+              <a:rPr/>
+              <a:t>Студент 3-го курса</a:t>
+            </a:r>
+          </a:p>
+          <a:p>
+            <a:pPr lvl="0"/>
+            <a:r>
+              <a:rPr/>
+              <a:t>Группа НКНбд-01-21</a:t>
+            </a:r>
+          </a:p>
+          <a:p>
+            <a:pPr lvl="0"/>
+            <a:r>
+              <a:rPr/>
+              <a:t>Российский университет дружбы народов</a:t>
+            </a:r>
+          </a:p>
+          <a:p>
+            <a:pPr lvl="0"/>
+            <a:r>
+              <a:rPr/>
+              <a:t>1032215649</a:t>
+            </a:r>
+          </a:p>
+          <a:p>
+            <a:pPr lvl="0"/>
+            <a:r>
+              <a:rPr>
+                <a:hlinkClick r:id="rId2"/>
+              </a:rPr>
+              <a:t>https://github.com/Jordaniakondzo</a:t>
+            </a:r>
+          </a:p>
+        </p:txBody>
+      </p:sp>
     </p:spTree>
   </p:cSld>
 </p:sld>
@@ -3684,7 +3460,12 @@
             <p:ph type="title"/>
           </p:nvPr>
         </p:nvSpPr>
-        <p:spPr/>
+        <p:spPr>
+          <a:xfrm>
+            <a:off x="722313" y="3305176"/>
+            <a:ext cx="7772400" cy="1021556"/>
+          </a:xfrm>
+        </p:spPr>
         <p:txBody>
           <a:bodyPr/>
           <a:lstStyle/>
@@ -3694,345 +3475,11 @@
             </a:pPr>
             <a:r>
               <a:rPr/>
-              <a:t>Ход Работы ч.2</a:t>
-            </a:r>
-          </a:p>
-        </p:txBody>
-      </p:sp>
-      <mc:AlternateContent xmlns:mc="http://schemas.openxmlformats.org/markup-compatibility/2006">
-        <mc:Choice xmlns:a14="http://schemas.microsoft.com/office/drawing/2010/main" Requires="a14">
-          <p:sp>
-            <p:nvSpPr>
-              <p:cNvPr id="3" name="Content Placeholder 2"/>
-              <p:cNvSpPr>
-                <a:spLocks noGrp="1"/>
-              </p:cNvSpPr>
-              <p:nvPr>
-                <p:ph idx="1"/>
-              </p:nvPr>
-            </p:nvSpPr>
-            <p:spPr/>
-            <p:txBody>
-              <a:bodyPr/>
-              <a:lstStyle/>
-              <a:p>
-                <a:pPr lvl="0" indent="-342900" marL="342900">
-                  <a:buAutoNum startAt="2" type="arabicPeriod"/>
-                </a:pPr>
-                <a:r>
-                  <a:rPr/>
-                  <a:t>Отсюда, используя теорему Пифагора находим </a:t>
-                </a:r>
-                <a14:m>
-                  <m:oMath xmlns:m="http://schemas.openxmlformats.org/officeDocument/2006/math">
-                    <m:sSub>
-                      <m:e>
-                        <m:r>
-                          <m:t>ν</m:t>
-                        </m:r>
-                      </m:e>
-                      <m:sub>
-                        <m:r>
-                          <m:t>t</m:t>
-                        </m:r>
-                      </m:sub>
-                    </m:sSub>
-                  </m:oMath>
-                </a14:m>
-                <a:r>
-                  <a:rPr/>
-                  <a:t>, которая равна </a:t>
-                </a:r>
-                <a14:m>
-                  <m:oMath xmlns:m="http://schemas.openxmlformats.org/officeDocument/2006/math">
-                    <m:rad>
-                      <m:radPr>
-                        <m:degHide m:val="on"/>
-                      </m:radPr>
-                      <m:deg/>
-                      <m:e>
-                        <m:sSup>
-                          <m:e>
-                            <m:d>
-                              <m:dPr>
-                                <m:begChr m:val="("/>
-                                <m:endChr m:val=")"/>
-                                <m:sepChr m:val=""/>
-                                <m:grow/>
-                              </m:dPr>
-                              <m:e>
-                                <m:r>
-                                  <m:t>k</m:t>
-                                </m:r>
-                                <m:r>
-                                  <m:rPr>
-                                    <m:sty m:val="p"/>
-                                  </m:rPr>
-                                  <m:t>*</m:t>
-                                </m:r>
-                                <m:r>
-                                  <m:t>ν</m:t>
-                                </m:r>
-                              </m:e>
-                            </m:d>
-                          </m:e>
-                          <m:sup>
-                            <m:r>
-                              <m:t>2</m:t>
-                            </m:r>
-                          </m:sup>
-                        </m:sSup>
-                        <m:r>
-                          <m:rPr>
-                            <m:sty m:val="p"/>
-                          </m:rPr>
-                          <m:t>−</m:t>
-                        </m:r>
-                        <m:sSup>
-                          <m:e>
-                            <m:r>
-                              <m:t>ν</m:t>
-                            </m:r>
-                          </m:e>
-                          <m:sup>
-                            <m:r>
-                              <m:t>2</m:t>
-                            </m:r>
-                          </m:sup>
-                        </m:sSup>
-                      </m:e>
-                    </m:rad>
-                  </m:oMath>
-                </a14:m>
-                <a:r>
-                  <a:rPr/>
-                  <a:t>. В данном варианте получаем </a:t>
-                </a:r>
-                <a14:m>
-                  <m:oMath xmlns:m="http://schemas.openxmlformats.org/officeDocument/2006/math">
-                    <m:sSub>
-                      <m:e>
-                        <m:r>
-                          <m:t>ν</m:t>
-                        </m:r>
-                      </m:e>
-                      <m:sub>
-                        <m:r>
-                          <m:t>t</m:t>
-                        </m:r>
-                      </m:sub>
-                    </m:sSub>
-                    <m:r>
-                      <m:rPr>
-                        <m:sty m:val="p"/>
-                      </m:rPr>
-                      <m:t>=</m:t>
-                    </m:r>
-                    <m:rad>
-                      <m:radPr>
-                        <m:degHide m:val="on"/>
-                      </m:radPr>
-                      <m:deg/>
-                      <m:e>
-                        <m:r>
-                          <m:t>21.09</m:t>
-                        </m:r>
-                      </m:e>
-                    </m:rad>
-                    <m:r>
-                      <m:t>ν</m:t>
-                    </m:r>
-                  </m:oMath>
-                </a14:m>
-                <a:r>
-                  <a:rPr/>
-                  <a:t>.</a:t>
-                </a:r>
-              </a:p>
-              <a:p>
-                <a:pPr lvl="0" indent="-342900" marL="342900">
-                  <a:buAutoNum startAt="2" type="arabicPeriod"/>
-                </a:pPr>
-                <a:r>
-                  <a:rPr/>
-                  <a:t>Решение исходной задачи сводится к решению системы из двух дифференциальных уравнений </a:t>
-                </a:r>
-                <a14:m>
-                  <m:oMath xmlns:m="http://schemas.openxmlformats.org/officeDocument/2006/math">
-                    <m:d>
-                      <m:dPr>
-                        <m:begChr m:val="{"/>
-                        <m:endChr m:val=""/>
-                        <m:sepChr m:val=""/>
-                        <m:grow/>
-                      </m:dPr>
-                      <m:e>
-                        <m:m>
-                          <m:mPr>
-                            <m:baseJc m:val="center"/>
-                            <m:plcHide m:val="on"/>
-                            <m:mcs>
-                              <m:mc>
-                                <m:mcPr>
-                                  <m:mcJc m:val="center"/>
-                                  <m:count m:val="1"/>
-                                </m:mcPr>
-                              </m:mc>
-                            </m:mcs>
-                          </m:mPr>
-                          <m:mr>
-                            <m:e>
-                              <m:f>
-                                <m:fPr>
-                                  <m:type m:val="bar"/>
-                                </m:fPr>
-                                <m:num>
-                                  <m:r>
-                                    <m:t>d</m:t>
-                                  </m:r>
-                                  <m:r>
-                                    <m:t>ν</m:t>
-                                  </m:r>
-                                </m:num>
-                                <m:den>
-                                  <m:r>
-                                    <m:t>d</m:t>
-                                  </m:r>
-                                  <m:r>
-                                    <m:t>t</m:t>
-                                  </m:r>
-                                </m:den>
-                              </m:f>
-                              <m:r>
-                                <m:rPr>
-                                  <m:sty m:val="p"/>
-                                </m:rPr>
-                                <m:t>=</m:t>
-                              </m:r>
-                              <m:r>
-                                <m:t>ν</m:t>
-                              </m:r>
-                            </m:e>
-                          </m:mr>
-                          <m:mr>
-                            <m:e>
-                              <m:r>
-                                <m:t>r</m:t>
-                              </m:r>
-                              <m:f>
-                                <m:fPr>
-                                  <m:type m:val="bar"/>
-                                </m:fPr>
-                                <m:num>
-                                  <m:r>
-                                    <m:t>d</m:t>
-                                  </m:r>
-                                  <m:r>
-                                    <m:t>θ</m:t>
-                                  </m:r>
-                                </m:num>
-                                <m:den>
-                                  <m:r>
-                                    <m:t>d</m:t>
-                                  </m:r>
-                                  <m:r>
-                                    <m:t>t</m:t>
-                                  </m:r>
-                                </m:den>
-                              </m:f>
-                              <m:r>
-                                <m:rPr>
-                                  <m:sty m:val="p"/>
-                                </m:rPr>
-                                <m:t>=</m:t>
-                              </m:r>
-                              <m:rad>
-                                <m:radPr>
-                                  <m:degHide m:val="on"/>
-                                </m:radPr>
-                                <m:deg/>
-                                <m:e>
-                                  <m:r>
-                                    <m:t>21.09</m:t>
-                                  </m:r>
-                                </m:e>
-                              </m:rad>
-                              <m:r>
-                                <m:t>ν</m:t>
-                              </m:r>
-                            </m:e>
-                          </m:mr>
-                        </m:m>
-                      </m:e>
-                    </m:d>
-                  </m:oMath>
-                </a14:m>
-                <a:r>
-                  <a:rPr/>
-                  <a:t>. После интегрирования получаем r = </a:t>
-                </a:r>
-                <a14:m>
-                  <m:oMath xmlns:m="http://schemas.openxmlformats.org/officeDocument/2006/math">
-                    <m:r>
-                      <m:t>C</m:t>
-                    </m:r>
-                    <m:sSup>
-                      <m:e>
-                        <m:r>
-                          <m:t>e</m:t>
-                        </m:r>
-                      </m:e>
-                      <m:sup>
-                        <m:f>
-                          <m:fPr>
-                            <m:type m:val="bar"/>
-                          </m:fPr>
-                          <m:num>
-                            <m:r>
-                              <m:t>θ</m:t>
-                            </m:r>
-                          </m:num>
-                          <m:den>
-                            <m:rad>
-                              <m:radPr>
-                                <m:degHide m:val="on"/>
-                              </m:radPr>
-                              <m:deg/>
-                              <m:e>
-                                <m:r>
-                                  <m:t>21.09</m:t>
-                                </m:r>
-                              </m:e>
-                            </m:rad>
-                          </m:den>
-                        </m:f>
-                      </m:sup>
-                    </m:sSup>
-                  </m:oMath>
-                </a14:m>
-              </a:p>
-              <a:p>
-                <a:pPr lvl="0" indent="-342900" marL="342900">
-                  <a:buAutoNum startAt="2" type="arabicPeriod"/>
-                </a:pPr>
-                <a:r>
-                  <a:rPr/>
-                  <a:t>Переписали в julia.</a:t>
-                </a:r>
-              </a:p>
-              <a:p>
-                <a:pPr lvl="0" indent="-342900" marL="342900">
-                  <a:buAutoNum startAt="2" type="arabicPeriod"/>
-                </a:pPr>
-                <a:r>
-                  <a:rPr/>
-                  <a:t>Получили результаты в виде графиков.</a:t>
-                </a:r>
-              </a:p>
-            </p:txBody>
-          </p:sp>
-        </mc:Choice>
-      </mc:AlternateContent>
+              <a:t>Вводная часть</a:t>
+            </a:r>
+          </a:p>
+        </p:txBody>
+      </p:sp>
     </p:spTree>
   </p:cSld>
 </p:sld>
@@ -4065,12 +3512,7 @@
             <p:ph type="title"/>
           </p:nvPr>
         </p:nvSpPr>
-        <p:spPr>
-          <a:xfrm>
-            <a:off x="722313" y="3305176"/>
-            <a:ext cx="7772400" cy="1021556"/>
-          </a:xfrm>
-        </p:spPr>
+        <p:spPr/>
         <p:txBody>
           <a:bodyPr/>
           <a:lstStyle/>
@@ -4080,7 +3522,445 @@
             </a:pPr>
             <a:r>
               <a:rPr/>
-              <a:t>Результат</a:t>
+              <a:t>Актуальность</a:t>
+            </a:r>
+          </a:p>
+        </p:txBody>
+      </p:sp>
+      <p:sp>
+        <p:nvSpPr>
+          <p:cNvPr id="3" name="Content Placeholder 2"/>
+          <p:cNvSpPr>
+            <a:spLocks noGrp="1"/>
+          </p:cNvSpPr>
+          <p:nvPr>
+            <p:ph idx="1"/>
+          </p:nvPr>
+        </p:nvSpPr>
+        <p:spPr/>
+        <p:txBody>
+          <a:bodyPr/>
+          <a:lstStyle/>
+          <a:p>
+            <a:pPr lvl="0"/>
+            <a:r>
+              <a:rPr/>
+              <a:t>Julia — это высокоуровневый, высокопроизводительный и динамический язык программирования для научных вычислений, с синтаксисом, знакомым пользователям других подобных сред разработки ( Matlab , R , Scilab , Python и т. д.).</a:t>
+            </a:r>
+          </a:p>
+          <a:p>
+            <a:pPr lvl="0"/>
+            <a:r>
+              <a:rPr/>
+              <a:t>Julia обеспечивает асинхронный ввод-вывод , метапрограммирование , отладку , ведение журнала , профилирование , менеджер пакетов и многое другое. В Julia можно создавать целые приложения и микросервисы .</a:t>
+            </a:r>
+          </a:p>
+          <a:p>
+            <a:pPr lvl="0"/>
+            <a:r>
+              <a:rPr/>
+              <a:t>OPENMODELICA — это среда моделирования и симуляции на основе Modelica с открытым исходным кодом , предназначенная для промышленного и академического использования. Его долгосрочное развитие поддерживает некоммерческая организация — Open Source Modelica Consortium (OSMC) .</a:t>
+            </a:r>
+          </a:p>
+          <a:p>
+            <a:pPr lvl="0"/>
+            <a:r>
+              <a:rPr/>
+              <a:t>Целью усилий OpenModelica является создание всеобъемлющей среды моделирования, компиляции и симуляции Modelica с открытым исходным кодом на основе бесплатного программного обеспечения, распространяемого в виде двоичного кода и исходного кода для исследований, обучения и промышленного использования.</a:t>
+            </a:r>
+          </a:p>
+        </p:txBody>
+      </p:sp>
+    </p:spTree>
+  </p:cSld>
+</p:sld>
+</file>
+
+<file path=ppt/slides/slide6.xml><?xml version="1.0" encoding="utf-8"?>
+<p:sld xmlns:a="http://schemas.openxmlformats.org/drawingml/2006/main" xmlns:r="http://schemas.openxmlformats.org/officeDocument/2006/relationships" xmlns:p="http://schemas.openxmlformats.org/presentationml/2006/main">
+  <p:cSld>
+    <p:spTree>
+      <p:nvGrpSpPr>
+        <p:cNvPr id="1" name=""/>
+        <p:cNvGrpSpPr/>
+        <p:nvPr/>
+      </p:nvGrpSpPr>
+      <p:grpSpPr>
+        <a:xfrm>
+          <a:off x="0" y="0"/>
+          <a:ext cx="0" cy="0"/>
+          <a:chOff x="0" y="0"/>
+          <a:chExt cx="0" cy="0"/>
+        </a:xfrm>
+      </p:grpSpPr>
+      <p:sp>
+        <p:nvSpPr>
+          <p:cNvPr id="2" name="Title 1"/>
+          <p:cNvSpPr>
+            <a:spLocks noGrp="1"/>
+          </p:cNvSpPr>
+          <p:nvPr>
+            <p:ph type="title"/>
+          </p:nvPr>
+        </p:nvSpPr>
+        <p:spPr/>
+        <p:txBody>
+          <a:bodyPr/>
+          <a:lstStyle/>
+          <a:p>
+            <a:pPr lvl="0" indent="0" marL="0">
+              <a:buNone/>
+            </a:pPr>
+            <a:r>
+              <a:rPr/>
+              <a:t>Объект и предмет исследования</a:t>
+            </a:r>
+          </a:p>
+        </p:txBody>
+      </p:sp>
+      <p:sp>
+        <p:nvSpPr>
+          <p:cNvPr id="3" name="Content Placeholder 2"/>
+          <p:cNvSpPr>
+            <a:spLocks noGrp="1"/>
+          </p:cNvSpPr>
+          <p:nvPr>
+            <p:ph idx="1"/>
+          </p:nvPr>
+        </p:nvSpPr>
+        <p:spPr/>
+        <p:txBody>
+          <a:bodyPr/>
+          <a:lstStyle/>
+          <a:p>
+            <a:pPr lvl="0"/>
+            <a:r>
+              <a:rPr/>
+              <a:t>Презентация как текст</a:t>
+            </a:r>
+          </a:p>
+          <a:p>
+            <a:pPr lvl="0"/>
+            <a:r>
+              <a:rPr/>
+              <a:t>Программное обеспечение для создания презентаций</a:t>
+            </a:r>
+          </a:p>
+          <a:p>
+            <a:pPr lvl="0"/>
+            <a:r>
+              <a:rPr/>
+              <a:t>Входные и выходные форматы презентаций</a:t>
+            </a:r>
+          </a:p>
+        </p:txBody>
+      </p:sp>
+    </p:spTree>
+  </p:cSld>
+</p:sld>
+</file>
+
+<file path=ppt/slides/slide7.xml><?xml version="1.0" encoding="utf-8"?>
+<p:sld xmlns:a="http://schemas.openxmlformats.org/drawingml/2006/main" xmlns:r="http://schemas.openxmlformats.org/officeDocument/2006/relationships" xmlns:p="http://schemas.openxmlformats.org/presentationml/2006/main">
+  <p:cSld>
+    <p:spTree>
+      <p:nvGrpSpPr>
+        <p:cNvPr id="1" name=""/>
+        <p:cNvGrpSpPr/>
+        <p:nvPr/>
+      </p:nvGrpSpPr>
+      <p:grpSpPr>
+        <a:xfrm>
+          <a:off x="0" y="0"/>
+          <a:ext cx="0" cy="0"/>
+          <a:chOff x="0" y="0"/>
+          <a:chExt cx="0" cy="0"/>
+        </a:xfrm>
+      </p:grpSpPr>
+      <p:sp>
+        <p:nvSpPr>
+          <p:cNvPr id="2" name="Title 1"/>
+          <p:cNvSpPr>
+            <a:spLocks noGrp="1"/>
+          </p:cNvSpPr>
+          <p:nvPr>
+            <p:ph type="title"/>
+          </p:nvPr>
+        </p:nvSpPr>
+        <p:spPr/>
+        <p:txBody>
+          <a:bodyPr/>
+          <a:lstStyle/>
+          <a:p>
+            <a:pPr lvl="0" indent="0" marL="0">
+              <a:buNone/>
+            </a:pPr>
+            <a:r>
+              <a:rPr/>
+              <a:t>Цели и задачи</a:t>
+            </a:r>
+          </a:p>
+        </p:txBody>
+      </p:sp>
+      <p:sp>
+        <p:nvSpPr>
+          <p:cNvPr id="3" name="Content Placeholder 2"/>
+          <p:cNvSpPr>
+            <a:spLocks noGrp="1"/>
+          </p:cNvSpPr>
+          <p:nvPr>
+            <p:ph idx="1"/>
+          </p:nvPr>
+        </p:nvSpPr>
+        <p:spPr/>
+        <p:txBody>
+          <a:bodyPr/>
+          <a:lstStyle/>
+          <a:p>
+            <a:pPr lvl="0"/>
+            <a:r>
+              <a:rPr/>
+              <a:t>Научиться работать с Julia и Openmodelica.</a:t>
+            </a:r>
+          </a:p>
+          <a:p>
+            <a:pPr lvl="0"/>
+            <a:r>
+              <a:rPr/>
+              <a:t>Решать задачу о погоне, строить графики траектории движения.</a:t>
+            </a:r>
+          </a:p>
+          <a:p>
+            <a:pPr lvl="0"/>
+            <a:r>
+              <a:rPr/>
+              <a:t>Получение новых знаний в ходе выполнения лабораторной работы.</a:t>
+            </a:r>
+          </a:p>
+          <a:p>
+            <a:pPr lvl="1" indent="0" marL="342900">
+              <a:buNone/>
+            </a:pPr>
+            <a:r>
+              <a:rPr/>
+              <a:t>## Задачи</a:t>
+            </a:r>
+          </a:p>
+          <a:p>
+            <a:pPr lvl="1"/>
+            <a:r>
+              <a:rPr/>
+              <a:t>Будем говорить погоней о ситуации, когда два тела движутся в одном экземпляре за другим устройством.</a:t>
+            </a:r>
+          </a:p>
+          <a:p>
+            <a:pPr lvl="1"/>
+            <a:r>
+              <a:rPr/>
+              <a:t>Решение задачи «погоня» решается в ответ на вопрос: может ли тело догнать другое, и если может, то где и когда?</a:t>
+            </a:r>
+          </a:p>
+          <a:p>
+            <a:pPr lvl="1"/>
+            <a:r>
+              <a:rPr/>
+              <a:t>Мы считаем, что одно тело догнало другое, если в некоторый момент времени положения были тел в пространстве совпали. Это означает, что стали в выбранной системе отсчета координат убегающего и догоняющего телзависимыми.</a:t>
+            </a:r>
+          </a:p>
+        </p:txBody>
+      </p:sp>
+    </p:spTree>
+  </p:cSld>
+</p:sld>
+</file>
+
+<file path=ppt/slides/slide8.xml><?xml version="1.0" encoding="utf-8"?>
+<p:sld xmlns:a="http://schemas.openxmlformats.org/drawingml/2006/main" xmlns:r="http://schemas.openxmlformats.org/officeDocument/2006/relationships" xmlns:p="http://schemas.openxmlformats.org/presentationml/2006/main">
+  <p:cSld>
+    <p:spTree>
+      <p:nvGrpSpPr>
+        <p:cNvPr id="1" name=""/>
+        <p:cNvGrpSpPr/>
+        <p:nvPr/>
+      </p:nvGrpSpPr>
+      <p:grpSpPr>
+        <a:xfrm>
+          <a:off x="0" y="0"/>
+          <a:ext cx="0" cy="0"/>
+          <a:chOff x="0" y="0"/>
+          <a:chExt cx="0" cy="0"/>
+        </a:xfrm>
+      </p:grpSpPr>
+      <p:sp>
+        <p:nvSpPr>
+          <p:cNvPr id="2" name="Title 1"/>
+          <p:cNvSpPr>
+            <a:spLocks noGrp="1"/>
+          </p:cNvSpPr>
+          <p:nvPr>
+            <p:ph type="title"/>
+          </p:nvPr>
+        </p:nvSpPr>
+        <p:spPr/>
+        <p:txBody>
+          <a:bodyPr/>
+          <a:lstStyle/>
+          <a:p>
+            <a:pPr lvl="0" indent="0" marL="0">
+              <a:buNone/>
+            </a:pPr>
+            <a:r>
+              <a:rPr/>
+              <a:t>Содержание исследования</a:t>
+            </a:r>
+          </a:p>
+        </p:txBody>
+      </p:sp>
+      <p:sp>
+        <p:nvSpPr>
+          <p:cNvPr id="3" name="Content Placeholder 2"/>
+          <p:cNvSpPr>
+            <a:spLocks noGrp="1"/>
+          </p:cNvSpPr>
+          <p:nvPr>
+            <p:ph idx="1"/>
+          </p:nvPr>
+        </p:nvSpPr>
+        <p:spPr/>
+        <p:txBody>
+          <a:bodyPr/>
+          <a:lstStyle/>
+          <a:p>
+            <a:pPr lvl="0"/>
+            <a:r>
+              <a:rPr/>
+              <a:t>Установка всех небходимых программных пакетов на компьютер</a:t>
+            </a:r>
+          </a:p>
+          <a:p>
+            <a:pPr lvl="0"/>
+            <a:r>
+              <a:rPr/>
+              <a:t>Построение математических моделей для выбора стратегии при решении задач поиска</a:t>
+            </a:r>
+          </a:p>
+          <a:p>
+            <a:pPr lvl="0"/>
+            <a:r>
+              <a:rPr/>
+              <a:t>Использование julia и Openmodelica для выполнения лабораторных работ</a:t>
+            </a:r>
+          </a:p>
+          <a:p>
+            <a:pPr lvl="0"/>
+            <a:r>
+              <a:rPr/>
+              <a:t>Описание код и построение графику</a:t>
+            </a:r>
+          </a:p>
+          <a:p>
+            <a:pPr lvl="0"/>
+            <a:r>
+              <a:rPr/>
+              <a:t>Применение знаний на практике в дальнейшем</a:t>
+            </a:r>
+          </a:p>
+          <a:p>
+            <a:pPr lvl="0"/>
+            <a:r>
+              <a:rPr/>
+              <a:t>Создание markdown отчета</a:t>
+            </a:r>
+          </a:p>
+          <a:p>
+            <a:pPr lvl="0"/>
+            <a:r>
+              <a:rPr/>
+              <a:t>Конвертация в pdf и docx посредствам Makefile</a:t>
+            </a:r>
+          </a:p>
+          <a:p>
+            <a:pPr lvl="0"/>
+            <a:r>
+              <a:rPr/>
+              <a:t>фиксация результатов в репозитории GitHub.</a:t>
+            </a:r>
+          </a:p>
+        </p:txBody>
+      </p:sp>
+    </p:spTree>
+  </p:cSld>
+</p:sld>
+</file>
+
+<file path=ppt/slides/slide9.xml><?xml version="1.0" encoding="utf-8"?>
+<p:sld xmlns:a="http://schemas.openxmlformats.org/drawingml/2006/main" xmlns:r="http://schemas.openxmlformats.org/officeDocument/2006/relationships" xmlns:p="http://schemas.openxmlformats.org/presentationml/2006/main">
+  <p:cSld>
+    <p:spTree>
+      <p:nvGrpSpPr>
+        <p:cNvPr id="1" name=""/>
+        <p:cNvGrpSpPr/>
+        <p:nvPr/>
+      </p:nvGrpSpPr>
+      <p:grpSpPr>
+        <a:xfrm>
+          <a:off x="0" y="0"/>
+          <a:ext cx="0" cy="0"/>
+          <a:chOff x="0" y="0"/>
+          <a:chExt cx="0" cy="0"/>
+        </a:xfrm>
+      </p:grpSpPr>
+      <p:sp>
+        <p:nvSpPr>
+          <p:cNvPr id="2" name="Title 1"/>
+          <p:cNvSpPr>
+            <a:spLocks noGrp="1"/>
+          </p:cNvSpPr>
+          <p:nvPr>
+            <p:ph type="title"/>
+          </p:nvPr>
+        </p:nvSpPr>
+        <p:spPr/>
+        <p:txBody>
+          <a:bodyPr/>
+          <a:lstStyle/>
+          <a:p>
+            <a:pPr lvl="0" indent="0" marL="0">
+              <a:buNone/>
+            </a:pPr>
+            <a:r>
+              <a:rPr/>
+              <a:t>Результаты</a:t>
+            </a:r>
+          </a:p>
+        </p:txBody>
+      </p:sp>
+      <p:sp>
+        <p:nvSpPr>
+          <p:cNvPr id="3" name="Content Placeholder 2"/>
+          <p:cNvSpPr>
+            <a:spLocks noGrp="1"/>
+          </p:cNvSpPr>
+          <p:nvPr>
+            <p:ph idx="1"/>
+          </p:nvPr>
+        </p:nvSpPr>
+        <p:spPr/>
+        <p:txBody>
+          <a:bodyPr/>
+          <a:lstStyle/>
+          <a:p>
+            <a:pPr lvl="0"/>
+            <a:r>
+              <a:rPr/>
+              <a:t>Мы познакомились с Julia и Openmodelica</a:t>
+            </a:r>
+          </a:p>
+          <a:p>
+            <a:pPr lvl="0"/>
+            <a:r>
+              <a:rPr/>
+              <a:t>Мы научились строить коврики о погоне, строить графику траектории движения.</a:t>
             </a:r>
           </a:p>
         </p:txBody>
